--- a/6_PySpark/PPT/1_Read-Create-Schema_Dataframe/3_Schema/2_define schema.pptx
+++ b/6_PySpark/PPT/1_Read-Create-Schema_Dataframe/3_Schema/2_define schema.pptx
@@ -4,6 +4,12 @@
   <p:sldMasterIdLst>
     <p:sldMasterId id="2147483648" r:id="rId1"/>
   </p:sldMasterIdLst>
+  <p:sldIdLst>
+    <p:sldId id="257" r:id="rId2"/>
+    <p:sldId id="256" r:id="rId3"/>
+    <p:sldId id="258" r:id="rId4"/>
+    <p:sldId id="259" r:id="rId5"/>
+  </p:sldIdLst>
   <p:sldSz cx="12192000" cy="6858000"/>
   <p:notesSz cx="6858000" cy="9144000"/>
   <p:defaultTextStyle>
@@ -101,6 +107,11 @@
       </a:defRPr>
     </a:lvl9pPr>
   </p:defaultTextStyle>
+  <p:extLst>
+    <p:ext uri="{EFAFB233-063F-42B5-8137-9DF3F51BA10A}">
+      <p15:sldGuideLst xmlns:p15="http://schemas.microsoft.com/office/powerpoint/2012/main"/>
+    </p:ext>
+  </p:extLst>
 </p:presentation>
 </file>
 
@@ -126,7 +137,7 @@
           <p:cNvPr id="2" name="Title 1">
             <a:extLst>
               <a:ext uri="{FF2B5EF4-FFF2-40B4-BE49-F238E27FC236}">
-                <a16:creationId xmlns:a16="http://schemas.microsoft.com/office/drawing/2014/main" id="{C4592D0C-5961-4F29-8E5A-E42373424B42}"/>
+                <a16:creationId xmlns:a16="http://schemas.microsoft.com/office/drawing/2014/main" xmlns="" id="{C4592D0C-5961-4F29-8E5A-E42373424B42}"/>
               </a:ext>
             </a:extLst>
           </p:cNvPr>
@@ -164,7 +175,7 @@
           <p:cNvPr id="3" name="Subtitle 2">
             <a:extLst>
               <a:ext uri="{FF2B5EF4-FFF2-40B4-BE49-F238E27FC236}">
-                <a16:creationId xmlns:a16="http://schemas.microsoft.com/office/drawing/2014/main" id="{3153AB63-4953-4294-B119-A37E347861D4}"/>
+                <a16:creationId xmlns:a16="http://schemas.microsoft.com/office/drawing/2014/main" xmlns="" id="{3153AB63-4953-4294-B119-A37E347861D4}"/>
               </a:ext>
             </a:extLst>
           </p:cNvPr>
@@ -235,7 +246,7 @@
           <p:cNvPr id="4" name="Date Placeholder 3">
             <a:extLst>
               <a:ext uri="{FF2B5EF4-FFF2-40B4-BE49-F238E27FC236}">
-                <a16:creationId xmlns:a16="http://schemas.microsoft.com/office/drawing/2014/main" id="{28076C7D-D51A-414B-81BD-658E34803BEB}"/>
+                <a16:creationId xmlns:a16="http://schemas.microsoft.com/office/drawing/2014/main" xmlns="" id="{28076C7D-D51A-414B-81BD-658E34803BEB}"/>
               </a:ext>
             </a:extLst>
           </p:cNvPr>
@@ -253,7 +264,7 @@
           <a:p>
             <a:fld id="{40855CB7-ECD2-4F4E-96F3-D0110FEAC67D}" type="datetimeFigureOut">
               <a:rPr lang="en-IN" smtClean="0"/>
-              <a:t>15-01-2023</a:t>
+              <a:t>16-01-2023</a:t>
             </a:fld>
             <a:endParaRPr lang="en-IN"/>
           </a:p>
@@ -264,7 +275,7 @@
           <p:cNvPr id="5" name="Footer Placeholder 4">
             <a:extLst>
               <a:ext uri="{FF2B5EF4-FFF2-40B4-BE49-F238E27FC236}">
-                <a16:creationId xmlns:a16="http://schemas.microsoft.com/office/drawing/2014/main" id="{653E3565-ECC6-4FFC-8C40-F12D74040A00}"/>
+                <a16:creationId xmlns:a16="http://schemas.microsoft.com/office/drawing/2014/main" xmlns="" id="{653E3565-ECC6-4FFC-8C40-F12D74040A00}"/>
               </a:ext>
             </a:extLst>
           </p:cNvPr>
@@ -289,7 +300,7 @@
           <p:cNvPr id="6" name="Slide Number Placeholder 5">
             <a:extLst>
               <a:ext uri="{FF2B5EF4-FFF2-40B4-BE49-F238E27FC236}">
-                <a16:creationId xmlns:a16="http://schemas.microsoft.com/office/drawing/2014/main" id="{B1AD89D0-C641-44FE-A12D-170A74FF6C5E}"/>
+                <a16:creationId xmlns:a16="http://schemas.microsoft.com/office/drawing/2014/main" xmlns="" id="{B1AD89D0-C641-44FE-A12D-170A74FF6C5E}"/>
               </a:ext>
             </a:extLst>
           </p:cNvPr>
@@ -348,7 +359,7 @@
           <p:cNvPr id="2" name="Title 1">
             <a:extLst>
               <a:ext uri="{FF2B5EF4-FFF2-40B4-BE49-F238E27FC236}">
-                <a16:creationId xmlns:a16="http://schemas.microsoft.com/office/drawing/2014/main" id="{0EA8AFF9-843B-462C-A072-A3756896CB4D}"/>
+                <a16:creationId xmlns:a16="http://schemas.microsoft.com/office/drawing/2014/main" xmlns="" id="{0EA8AFF9-843B-462C-A072-A3756896CB4D}"/>
               </a:ext>
             </a:extLst>
           </p:cNvPr>
@@ -377,7 +388,7 @@
           <p:cNvPr id="3" name="Vertical Text Placeholder 2">
             <a:extLst>
               <a:ext uri="{FF2B5EF4-FFF2-40B4-BE49-F238E27FC236}">
-                <a16:creationId xmlns:a16="http://schemas.microsoft.com/office/drawing/2014/main" id="{809C8D1A-0565-4884-BB35-F3DF33EBBF73}"/>
+                <a16:creationId xmlns:a16="http://schemas.microsoft.com/office/drawing/2014/main" xmlns="" id="{809C8D1A-0565-4884-BB35-F3DF33EBBF73}"/>
               </a:ext>
             </a:extLst>
           </p:cNvPr>
@@ -435,7 +446,7 @@
           <p:cNvPr id="4" name="Date Placeholder 3">
             <a:extLst>
               <a:ext uri="{FF2B5EF4-FFF2-40B4-BE49-F238E27FC236}">
-                <a16:creationId xmlns:a16="http://schemas.microsoft.com/office/drawing/2014/main" id="{C59D6771-F76A-4D3F-A65D-6CBA13DC2DCF}"/>
+                <a16:creationId xmlns:a16="http://schemas.microsoft.com/office/drawing/2014/main" xmlns="" id="{C59D6771-F76A-4D3F-A65D-6CBA13DC2DCF}"/>
               </a:ext>
             </a:extLst>
           </p:cNvPr>
@@ -453,7 +464,7 @@
           <a:p>
             <a:fld id="{40855CB7-ECD2-4F4E-96F3-D0110FEAC67D}" type="datetimeFigureOut">
               <a:rPr lang="en-IN" smtClean="0"/>
-              <a:t>15-01-2023</a:t>
+              <a:t>16-01-2023</a:t>
             </a:fld>
             <a:endParaRPr lang="en-IN"/>
           </a:p>
@@ -464,7 +475,7 @@
           <p:cNvPr id="5" name="Footer Placeholder 4">
             <a:extLst>
               <a:ext uri="{FF2B5EF4-FFF2-40B4-BE49-F238E27FC236}">
-                <a16:creationId xmlns:a16="http://schemas.microsoft.com/office/drawing/2014/main" id="{A6520418-3A6E-4169-869F-C491C5F626D4}"/>
+                <a16:creationId xmlns:a16="http://schemas.microsoft.com/office/drawing/2014/main" xmlns="" id="{A6520418-3A6E-4169-869F-C491C5F626D4}"/>
               </a:ext>
             </a:extLst>
           </p:cNvPr>
@@ -489,7 +500,7 @@
           <p:cNvPr id="6" name="Slide Number Placeholder 5">
             <a:extLst>
               <a:ext uri="{FF2B5EF4-FFF2-40B4-BE49-F238E27FC236}">
-                <a16:creationId xmlns:a16="http://schemas.microsoft.com/office/drawing/2014/main" id="{2CBF25D7-D320-4AEC-BA4A-788809BABBCF}"/>
+                <a16:creationId xmlns:a16="http://schemas.microsoft.com/office/drawing/2014/main" xmlns="" id="{2CBF25D7-D320-4AEC-BA4A-788809BABBCF}"/>
               </a:ext>
             </a:extLst>
           </p:cNvPr>
@@ -548,7 +559,7 @@
           <p:cNvPr id="2" name="Vertical Title 1">
             <a:extLst>
               <a:ext uri="{FF2B5EF4-FFF2-40B4-BE49-F238E27FC236}">
-                <a16:creationId xmlns:a16="http://schemas.microsoft.com/office/drawing/2014/main" id="{28DE8758-C47B-44F2-9CCD-A0F7E4549EA0}"/>
+                <a16:creationId xmlns:a16="http://schemas.microsoft.com/office/drawing/2014/main" xmlns="" id="{28DE8758-C47B-44F2-9CCD-A0F7E4549EA0}"/>
               </a:ext>
             </a:extLst>
           </p:cNvPr>
@@ -582,7 +593,7 @@
           <p:cNvPr id="3" name="Vertical Text Placeholder 2">
             <a:extLst>
               <a:ext uri="{FF2B5EF4-FFF2-40B4-BE49-F238E27FC236}">
-                <a16:creationId xmlns:a16="http://schemas.microsoft.com/office/drawing/2014/main" id="{457048B3-28DF-44F8-80EE-82BBC3B4EF01}"/>
+                <a16:creationId xmlns:a16="http://schemas.microsoft.com/office/drawing/2014/main" xmlns="" id="{457048B3-28DF-44F8-80EE-82BBC3B4EF01}"/>
               </a:ext>
             </a:extLst>
           </p:cNvPr>
@@ -645,7 +656,7 @@
           <p:cNvPr id="4" name="Date Placeholder 3">
             <a:extLst>
               <a:ext uri="{FF2B5EF4-FFF2-40B4-BE49-F238E27FC236}">
-                <a16:creationId xmlns:a16="http://schemas.microsoft.com/office/drawing/2014/main" id="{F6D5C658-B765-43B7-850C-BDDC70063EED}"/>
+                <a16:creationId xmlns:a16="http://schemas.microsoft.com/office/drawing/2014/main" xmlns="" id="{F6D5C658-B765-43B7-850C-BDDC70063EED}"/>
               </a:ext>
             </a:extLst>
           </p:cNvPr>
@@ -663,7 +674,7 @@
           <a:p>
             <a:fld id="{40855CB7-ECD2-4F4E-96F3-D0110FEAC67D}" type="datetimeFigureOut">
               <a:rPr lang="en-IN" smtClean="0"/>
-              <a:t>15-01-2023</a:t>
+              <a:t>16-01-2023</a:t>
             </a:fld>
             <a:endParaRPr lang="en-IN"/>
           </a:p>
@@ -674,7 +685,7 @@
           <p:cNvPr id="5" name="Footer Placeholder 4">
             <a:extLst>
               <a:ext uri="{FF2B5EF4-FFF2-40B4-BE49-F238E27FC236}">
-                <a16:creationId xmlns:a16="http://schemas.microsoft.com/office/drawing/2014/main" id="{C5E3E059-7B4E-48A7-882B-8B5E2607C2FA}"/>
+                <a16:creationId xmlns:a16="http://schemas.microsoft.com/office/drawing/2014/main" xmlns="" id="{C5E3E059-7B4E-48A7-882B-8B5E2607C2FA}"/>
               </a:ext>
             </a:extLst>
           </p:cNvPr>
@@ -699,7 +710,7 @@
           <p:cNvPr id="6" name="Slide Number Placeholder 5">
             <a:extLst>
               <a:ext uri="{FF2B5EF4-FFF2-40B4-BE49-F238E27FC236}">
-                <a16:creationId xmlns:a16="http://schemas.microsoft.com/office/drawing/2014/main" id="{FC279C71-235B-4F04-A596-004630599BDA}"/>
+                <a16:creationId xmlns:a16="http://schemas.microsoft.com/office/drawing/2014/main" xmlns="" id="{FC279C71-235B-4F04-A596-004630599BDA}"/>
               </a:ext>
             </a:extLst>
           </p:cNvPr>
@@ -758,7 +769,7 @@
           <p:cNvPr id="2" name="Title 1">
             <a:extLst>
               <a:ext uri="{FF2B5EF4-FFF2-40B4-BE49-F238E27FC236}">
-                <a16:creationId xmlns:a16="http://schemas.microsoft.com/office/drawing/2014/main" id="{F72F5FDB-C2F1-4F43-89EC-FE62A47F860F}"/>
+                <a16:creationId xmlns:a16="http://schemas.microsoft.com/office/drawing/2014/main" xmlns="" id="{F72F5FDB-C2F1-4F43-89EC-FE62A47F860F}"/>
               </a:ext>
             </a:extLst>
           </p:cNvPr>
@@ -787,7 +798,7 @@
           <p:cNvPr id="3" name="Content Placeholder 2">
             <a:extLst>
               <a:ext uri="{FF2B5EF4-FFF2-40B4-BE49-F238E27FC236}">
-                <a16:creationId xmlns:a16="http://schemas.microsoft.com/office/drawing/2014/main" id="{1C75DBE1-9559-4E66-96FD-B66219D1A0D6}"/>
+                <a16:creationId xmlns:a16="http://schemas.microsoft.com/office/drawing/2014/main" xmlns="" id="{1C75DBE1-9559-4E66-96FD-B66219D1A0D6}"/>
               </a:ext>
             </a:extLst>
           </p:cNvPr>
@@ -845,7 +856,7 @@
           <p:cNvPr id="4" name="Date Placeholder 3">
             <a:extLst>
               <a:ext uri="{FF2B5EF4-FFF2-40B4-BE49-F238E27FC236}">
-                <a16:creationId xmlns:a16="http://schemas.microsoft.com/office/drawing/2014/main" id="{79542572-EB3D-4B3F-815A-0F3C03B5D65A}"/>
+                <a16:creationId xmlns:a16="http://schemas.microsoft.com/office/drawing/2014/main" xmlns="" id="{79542572-EB3D-4B3F-815A-0F3C03B5D65A}"/>
               </a:ext>
             </a:extLst>
           </p:cNvPr>
@@ -863,7 +874,7 @@
           <a:p>
             <a:fld id="{40855CB7-ECD2-4F4E-96F3-D0110FEAC67D}" type="datetimeFigureOut">
               <a:rPr lang="en-IN" smtClean="0"/>
-              <a:t>15-01-2023</a:t>
+              <a:t>16-01-2023</a:t>
             </a:fld>
             <a:endParaRPr lang="en-IN"/>
           </a:p>
@@ -874,7 +885,7 @@
           <p:cNvPr id="5" name="Footer Placeholder 4">
             <a:extLst>
               <a:ext uri="{FF2B5EF4-FFF2-40B4-BE49-F238E27FC236}">
-                <a16:creationId xmlns:a16="http://schemas.microsoft.com/office/drawing/2014/main" id="{9701763C-D0BA-4EB7-9ACB-CC0FE000E806}"/>
+                <a16:creationId xmlns:a16="http://schemas.microsoft.com/office/drawing/2014/main" xmlns="" id="{9701763C-D0BA-4EB7-9ACB-CC0FE000E806}"/>
               </a:ext>
             </a:extLst>
           </p:cNvPr>
@@ -899,7 +910,7 @@
           <p:cNvPr id="6" name="Slide Number Placeholder 5">
             <a:extLst>
               <a:ext uri="{FF2B5EF4-FFF2-40B4-BE49-F238E27FC236}">
-                <a16:creationId xmlns:a16="http://schemas.microsoft.com/office/drawing/2014/main" id="{E8D234E2-36D8-4FCA-AC3C-4D2EE2DF4959}"/>
+                <a16:creationId xmlns:a16="http://schemas.microsoft.com/office/drawing/2014/main" xmlns="" id="{E8D234E2-36D8-4FCA-AC3C-4D2EE2DF4959}"/>
               </a:ext>
             </a:extLst>
           </p:cNvPr>
@@ -958,7 +969,7 @@
           <p:cNvPr id="2" name="Title 1">
             <a:extLst>
               <a:ext uri="{FF2B5EF4-FFF2-40B4-BE49-F238E27FC236}">
-                <a16:creationId xmlns:a16="http://schemas.microsoft.com/office/drawing/2014/main" id="{83CFECF8-132D-4D82-B9AE-069AB5A3AF13}"/>
+                <a16:creationId xmlns:a16="http://schemas.microsoft.com/office/drawing/2014/main" xmlns="" id="{83CFECF8-132D-4D82-B9AE-069AB5A3AF13}"/>
               </a:ext>
             </a:extLst>
           </p:cNvPr>
@@ -996,7 +1007,7 @@
           <p:cNvPr id="3" name="Text Placeholder 2">
             <a:extLst>
               <a:ext uri="{FF2B5EF4-FFF2-40B4-BE49-F238E27FC236}">
-                <a16:creationId xmlns:a16="http://schemas.microsoft.com/office/drawing/2014/main" id="{A51DB5A0-B3A2-42BA-A36F-C443F37482B7}"/>
+                <a16:creationId xmlns:a16="http://schemas.microsoft.com/office/drawing/2014/main" xmlns="" id="{A51DB5A0-B3A2-42BA-A36F-C443F37482B7}"/>
               </a:ext>
             </a:extLst>
           </p:cNvPr>
@@ -1121,7 +1132,7 @@
           <p:cNvPr id="4" name="Date Placeholder 3">
             <a:extLst>
               <a:ext uri="{FF2B5EF4-FFF2-40B4-BE49-F238E27FC236}">
-                <a16:creationId xmlns:a16="http://schemas.microsoft.com/office/drawing/2014/main" id="{6B43BCB4-844D-48D9-8E74-3C54EC31BD9A}"/>
+                <a16:creationId xmlns:a16="http://schemas.microsoft.com/office/drawing/2014/main" xmlns="" id="{6B43BCB4-844D-48D9-8E74-3C54EC31BD9A}"/>
               </a:ext>
             </a:extLst>
           </p:cNvPr>
@@ -1139,7 +1150,7 @@
           <a:p>
             <a:fld id="{40855CB7-ECD2-4F4E-96F3-D0110FEAC67D}" type="datetimeFigureOut">
               <a:rPr lang="en-IN" smtClean="0"/>
-              <a:t>15-01-2023</a:t>
+              <a:t>16-01-2023</a:t>
             </a:fld>
             <a:endParaRPr lang="en-IN"/>
           </a:p>
@@ -1150,7 +1161,7 @@
           <p:cNvPr id="5" name="Footer Placeholder 4">
             <a:extLst>
               <a:ext uri="{FF2B5EF4-FFF2-40B4-BE49-F238E27FC236}">
-                <a16:creationId xmlns:a16="http://schemas.microsoft.com/office/drawing/2014/main" id="{6617FED7-E57C-443A-9EB2-809EB3E16DDB}"/>
+                <a16:creationId xmlns:a16="http://schemas.microsoft.com/office/drawing/2014/main" xmlns="" id="{6617FED7-E57C-443A-9EB2-809EB3E16DDB}"/>
               </a:ext>
             </a:extLst>
           </p:cNvPr>
@@ -1175,7 +1186,7 @@
           <p:cNvPr id="6" name="Slide Number Placeholder 5">
             <a:extLst>
               <a:ext uri="{FF2B5EF4-FFF2-40B4-BE49-F238E27FC236}">
-                <a16:creationId xmlns:a16="http://schemas.microsoft.com/office/drawing/2014/main" id="{923A5E03-D521-4803-B5F8-9FEFBDA8BE3A}"/>
+                <a16:creationId xmlns:a16="http://schemas.microsoft.com/office/drawing/2014/main" xmlns="" id="{923A5E03-D521-4803-B5F8-9FEFBDA8BE3A}"/>
               </a:ext>
             </a:extLst>
           </p:cNvPr>
@@ -1234,7 +1245,7 @@
           <p:cNvPr id="2" name="Title 1">
             <a:extLst>
               <a:ext uri="{FF2B5EF4-FFF2-40B4-BE49-F238E27FC236}">
-                <a16:creationId xmlns:a16="http://schemas.microsoft.com/office/drawing/2014/main" id="{2B29D460-A0CE-4B85-8D76-0AED17D7B451}"/>
+                <a16:creationId xmlns:a16="http://schemas.microsoft.com/office/drawing/2014/main" xmlns="" id="{2B29D460-A0CE-4B85-8D76-0AED17D7B451}"/>
               </a:ext>
             </a:extLst>
           </p:cNvPr>
@@ -1263,7 +1274,7 @@
           <p:cNvPr id="3" name="Content Placeholder 2">
             <a:extLst>
               <a:ext uri="{FF2B5EF4-FFF2-40B4-BE49-F238E27FC236}">
-                <a16:creationId xmlns:a16="http://schemas.microsoft.com/office/drawing/2014/main" id="{49D34245-46E4-4908-91A9-C6443C451A62}"/>
+                <a16:creationId xmlns:a16="http://schemas.microsoft.com/office/drawing/2014/main" xmlns="" id="{49D34245-46E4-4908-91A9-C6443C451A62}"/>
               </a:ext>
             </a:extLst>
           </p:cNvPr>
@@ -1326,7 +1337,7 @@
           <p:cNvPr id="4" name="Content Placeholder 3">
             <a:extLst>
               <a:ext uri="{FF2B5EF4-FFF2-40B4-BE49-F238E27FC236}">
-                <a16:creationId xmlns:a16="http://schemas.microsoft.com/office/drawing/2014/main" id="{44A8859F-ABCD-44B7-B561-875CBC0956CD}"/>
+                <a16:creationId xmlns:a16="http://schemas.microsoft.com/office/drawing/2014/main" xmlns="" id="{44A8859F-ABCD-44B7-B561-875CBC0956CD}"/>
               </a:ext>
             </a:extLst>
           </p:cNvPr>
@@ -1389,7 +1400,7 @@
           <p:cNvPr id="5" name="Date Placeholder 4">
             <a:extLst>
               <a:ext uri="{FF2B5EF4-FFF2-40B4-BE49-F238E27FC236}">
-                <a16:creationId xmlns:a16="http://schemas.microsoft.com/office/drawing/2014/main" id="{20A308F9-0FC8-4DD9-8767-BF09D986CC03}"/>
+                <a16:creationId xmlns:a16="http://schemas.microsoft.com/office/drawing/2014/main" xmlns="" id="{20A308F9-0FC8-4DD9-8767-BF09D986CC03}"/>
               </a:ext>
             </a:extLst>
           </p:cNvPr>
@@ -1407,7 +1418,7 @@
           <a:p>
             <a:fld id="{40855CB7-ECD2-4F4E-96F3-D0110FEAC67D}" type="datetimeFigureOut">
               <a:rPr lang="en-IN" smtClean="0"/>
-              <a:t>15-01-2023</a:t>
+              <a:t>16-01-2023</a:t>
             </a:fld>
             <a:endParaRPr lang="en-IN"/>
           </a:p>
@@ -1418,7 +1429,7 @@
           <p:cNvPr id="6" name="Footer Placeholder 5">
             <a:extLst>
               <a:ext uri="{FF2B5EF4-FFF2-40B4-BE49-F238E27FC236}">
-                <a16:creationId xmlns:a16="http://schemas.microsoft.com/office/drawing/2014/main" id="{2C40E5F5-855E-48FC-AF9F-CC36B3D8218B}"/>
+                <a16:creationId xmlns:a16="http://schemas.microsoft.com/office/drawing/2014/main" xmlns="" id="{2C40E5F5-855E-48FC-AF9F-CC36B3D8218B}"/>
               </a:ext>
             </a:extLst>
           </p:cNvPr>
@@ -1443,7 +1454,7 @@
           <p:cNvPr id="7" name="Slide Number Placeholder 6">
             <a:extLst>
               <a:ext uri="{FF2B5EF4-FFF2-40B4-BE49-F238E27FC236}">
-                <a16:creationId xmlns:a16="http://schemas.microsoft.com/office/drawing/2014/main" id="{FBF5C139-E484-41B6-A18C-969FF706466D}"/>
+                <a16:creationId xmlns:a16="http://schemas.microsoft.com/office/drawing/2014/main" xmlns="" id="{FBF5C139-E484-41B6-A18C-969FF706466D}"/>
               </a:ext>
             </a:extLst>
           </p:cNvPr>
@@ -1502,7 +1513,7 @@
           <p:cNvPr id="2" name="Title 1">
             <a:extLst>
               <a:ext uri="{FF2B5EF4-FFF2-40B4-BE49-F238E27FC236}">
-                <a16:creationId xmlns:a16="http://schemas.microsoft.com/office/drawing/2014/main" id="{0E305033-14EA-45EE-B386-410A21EC2769}"/>
+                <a16:creationId xmlns:a16="http://schemas.microsoft.com/office/drawing/2014/main" xmlns="" id="{0E305033-14EA-45EE-B386-410A21EC2769}"/>
               </a:ext>
             </a:extLst>
           </p:cNvPr>
@@ -1536,7 +1547,7 @@
           <p:cNvPr id="3" name="Text Placeholder 2">
             <a:extLst>
               <a:ext uri="{FF2B5EF4-FFF2-40B4-BE49-F238E27FC236}">
-                <a16:creationId xmlns:a16="http://schemas.microsoft.com/office/drawing/2014/main" id="{ED930F91-D924-459C-9881-23C80BDCAE6F}"/>
+                <a16:creationId xmlns:a16="http://schemas.microsoft.com/office/drawing/2014/main" xmlns="" id="{ED930F91-D924-459C-9881-23C80BDCAE6F}"/>
               </a:ext>
             </a:extLst>
           </p:cNvPr>
@@ -1607,7 +1618,7 @@
           <p:cNvPr id="4" name="Content Placeholder 3">
             <a:extLst>
               <a:ext uri="{FF2B5EF4-FFF2-40B4-BE49-F238E27FC236}">
-                <a16:creationId xmlns:a16="http://schemas.microsoft.com/office/drawing/2014/main" id="{7F19DAFF-8E9C-4058-8A2A-B701AD80DDE1}"/>
+                <a16:creationId xmlns:a16="http://schemas.microsoft.com/office/drawing/2014/main" xmlns="" id="{7F19DAFF-8E9C-4058-8A2A-B701AD80DDE1}"/>
               </a:ext>
             </a:extLst>
           </p:cNvPr>
@@ -1670,7 +1681,7 @@
           <p:cNvPr id="5" name="Text Placeholder 4">
             <a:extLst>
               <a:ext uri="{FF2B5EF4-FFF2-40B4-BE49-F238E27FC236}">
-                <a16:creationId xmlns:a16="http://schemas.microsoft.com/office/drawing/2014/main" id="{E2C38D58-1EDB-4D8A-973E-632229924CBE}"/>
+                <a16:creationId xmlns:a16="http://schemas.microsoft.com/office/drawing/2014/main" xmlns="" id="{E2C38D58-1EDB-4D8A-973E-632229924CBE}"/>
               </a:ext>
             </a:extLst>
           </p:cNvPr>
@@ -1741,7 +1752,7 @@
           <p:cNvPr id="6" name="Content Placeholder 5">
             <a:extLst>
               <a:ext uri="{FF2B5EF4-FFF2-40B4-BE49-F238E27FC236}">
-                <a16:creationId xmlns:a16="http://schemas.microsoft.com/office/drawing/2014/main" id="{34C34EF4-4459-4D7A-9816-A8551268F379}"/>
+                <a16:creationId xmlns:a16="http://schemas.microsoft.com/office/drawing/2014/main" xmlns="" id="{34C34EF4-4459-4D7A-9816-A8551268F379}"/>
               </a:ext>
             </a:extLst>
           </p:cNvPr>
@@ -1804,7 +1815,7 @@
           <p:cNvPr id="7" name="Date Placeholder 6">
             <a:extLst>
               <a:ext uri="{FF2B5EF4-FFF2-40B4-BE49-F238E27FC236}">
-                <a16:creationId xmlns:a16="http://schemas.microsoft.com/office/drawing/2014/main" id="{B753D6F2-1381-4814-8905-75F00569A688}"/>
+                <a16:creationId xmlns:a16="http://schemas.microsoft.com/office/drawing/2014/main" xmlns="" id="{B753D6F2-1381-4814-8905-75F00569A688}"/>
               </a:ext>
             </a:extLst>
           </p:cNvPr>
@@ -1822,7 +1833,7 @@
           <a:p>
             <a:fld id="{40855CB7-ECD2-4F4E-96F3-D0110FEAC67D}" type="datetimeFigureOut">
               <a:rPr lang="en-IN" smtClean="0"/>
-              <a:t>15-01-2023</a:t>
+              <a:t>16-01-2023</a:t>
             </a:fld>
             <a:endParaRPr lang="en-IN"/>
           </a:p>
@@ -1833,7 +1844,7 @@
           <p:cNvPr id="8" name="Footer Placeholder 7">
             <a:extLst>
               <a:ext uri="{FF2B5EF4-FFF2-40B4-BE49-F238E27FC236}">
-                <a16:creationId xmlns:a16="http://schemas.microsoft.com/office/drawing/2014/main" id="{190B9F58-4E76-4B20-BBCE-63049D6FB32A}"/>
+                <a16:creationId xmlns:a16="http://schemas.microsoft.com/office/drawing/2014/main" xmlns="" id="{190B9F58-4E76-4B20-BBCE-63049D6FB32A}"/>
               </a:ext>
             </a:extLst>
           </p:cNvPr>
@@ -1858,7 +1869,7 @@
           <p:cNvPr id="9" name="Slide Number Placeholder 8">
             <a:extLst>
               <a:ext uri="{FF2B5EF4-FFF2-40B4-BE49-F238E27FC236}">
-                <a16:creationId xmlns:a16="http://schemas.microsoft.com/office/drawing/2014/main" id="{4F13F2C5-CAFE-4895-80A5-22965E01B2BD}"/>
+                <a16:creationId xmlns:a16="http://schemas.microsoft.com/office/drawing/2014/main" xmlns="" id="{4F13F2C5-CAFE-4895-80A5-22965E01B2BD}"/>
               </a:ext>
             </a:extLst>
           </p:cNvPr>
@@ -1917,7 +1928,7 @@
           <p:cNvPr id="2" name="Title 1">
             <a:extLst>
               <a:ext uri="{FF2B5EF4-FFF2-40B4-BE49-F238E27FC236}">
-                <a16:creationId xmlns:a16="http://schemas.microsoft.com/office/drawing/2014/main" id="{4ED6022E-D25A-4A84-96E6-78ED7825D660}"/>
+                <a16:creationId xmlns:a16="http://schemas.microsoft.com/office/drawing/2014/main" xmlns="" id="{4ED6022E-D25A-4A84-96E6-78ED7825D660}"/>
               </a:ext>
             </a:extLst>
           </p:cNvPr>
@@ -1946,7 +1957,7 @@
           <p:cNvPr id="3" name="Date Placeholder 2">
             <a:extLst>
               <a:ext uri="{FF2B5EF4-FFF2-40B4-BE49-F238E27FC236}">
-                <a16:creationId xmlns:a16="http://schemas.microsoft.com/office/drawing/2014/main" id="{BC2FED2A-A123-4DB8-82DF-7CC68CFECF9D}"/>
+                <a16:creationId xmlns:a16="http://schemas.microsoft.com/office/drawing/2014/main" xmlns="" id="{BC2FED2A-A123-4DB8-82DF-7CC68CFECF9D}"/>
               </a:ext>
             </a:extLst>
           </p:cNvPr>
@@ -1964,7 +1975,7 @@
           <a:p>
             <a:fld id="{40855CB7-ECD2-4F4E-96F3-D0110FEAC67D}" type="datetimeFigureOut">
               <a:rPr lang="en-IN" smtClean="0"/>
-              <a:t>15-01-2023</a:t>
+              <a:t>16-01-2023</a:t>
             </a:fld>
             <a:endParaRPr lang="en-IN"/>
           </a:p>
@@ -1975,7 +1986,7 @@
           <p:cNvPr id="4" name="Footer Placeholder 3">
             <a:extLst>
               <a:ext uri="{FF2B5EF4-FFF2-40B4-BE49-F238E27FC236}">
-                <a16:creationId xmlns:a16="http://schemas.microsoft.com/office/drawing/2014/main" id="{5E687849-C81C-43CD-977D-4CE4087D1380}"/>
+                <a16:creationId xmlns:a16="http://schemas.microsoft.com/office/drawing/2014/main" xmlns="" id="{5E687849-C81C-43CD-977D-4CE4087D1380}"/>
               </a:ext>
             </a:extLst>
           </p:cNvPr>
@@ -2000,7 +2011,7 @@
           <p:cNvPr id="5" name="Slide Number Placeholder 4">
             <a:extLst>
               <a:ext uri="{FF2B5EF4-FFF2-40B4-BE49-F238E27FC236}">
-                <a16:creationId xmlns:a16="http://schemas.microsoft.com/office/drawing/2014/main" id="{F6F4E911-451A-4141-8871-AAFAB26D7B72}"/>
+                <a16:creationId xmlns:a16="http://schemas.microsoft.com/office/drawing/2014/main" xmlns="" id="{F6F4E911-451A-4141-8871-AAFAB26D7B72}"/>
               </a:ext>
             </a:extLst>
           </p:cNvPr>
@@ -2059,7 +2070,7 @@
           <p:cNvPr id="2" name="Date Placeholder 1">
             <a:extLst>
               <a:ext uri="{FF2B5EF4-FFF2-40B4-BE49-F238E27FC236}">
-                <a16:creationId xmlns:a16="http://schemas.microsoft.com/office/drawing/2014/main" id="{D3EC13CF-047F-49E7-AB05-2E3A8FE51232}"/>
+                <a16:creationId xmlns:a16="http://schemas.microsoft.com/office/drawing/2014/main" xmlns="" id="{D3EC13CF-047F-49E7-AB05-2E3A8FE51232}"/>
               </a:ext>
             </a:extLst>
           </p:cNvPr>
@@ -2077,7 +2088,7 @@
           <a:p>
             <a:fld id="{40855CB7-ECD2-4F4E-96F3-D0110FEAC67D}" type="datetimeFigureOut">
               <a:rPr lang="en-IN" smtClean="0"/>
-              <a:t>15-01-2023</a:t>
+              <a:t>16-01-2023</a:t>
             </a:fld>
             <a:endParaRPr lang="en-IN"/>
           </a:p>
@@ -2088,7 +2099,7 @@
           <p:cNvPr id="3" name="Footer Placeholder 2">
             <a:extLst>
               <a:ext uri="{FF2B5EF4-FFF2-40B4-BE49-F238E27FC236}">
-                <a16:creationId xmlns:a16="http://schemas.microsoft.com/office/drawing/2014/main" id="{0C388C98-87B1-413D-82FB-FF9FFF97B7ED}"/>
+                <a16:creationId xmlns:a16="http://schemas.microsoft.com/office/drawing/2014/main" xmlns="" id="{0C388C98-87B1-413D-82FB-FF9FFF97B7ED}"/>
               </a:ext>
             </a:extLst>
           </p:cNvPr>
@@ -2113,7 +2124,7 @@
           <p:cNvPr id="4" name="Slide Number Placeholder 3">
             <a:extLst>
               <a:ext uri="{FF2B5EF4-FFF2-40B4-BE49-F238E27FC236}">
-                <a16:creationId xmlns:a16="http://schemas.microsoft.com/office/drawing/2014/main" id="{6FC001CE-1ACF-4D4B-B0E8-8B48EEC7F665}"/>
+                <a16:creationId xmlns:a16="http://schemas.microsoft.com/office/drawing/2014/main" xmlns="" id="{6FC001CE-1ACF-4D4B-B0E8-8B48EEC7F665}"/>
               </a:ext>
             </a:extLst>
           </p:cNvPr>
@@ -2172,7 +2183,7 @@
           <p:cNvPr id="2" name="Title 1">
             <a:extLst>
               <a:ext uri="{FF2B5EF4-FFF2-40B4-BE49-F238E27FC236}">
-                <a16:creationId xmlns:a16="http://schemas.microsoft.com/office/drawing/2014/main" id="{EFD60D10-A9D7-4A85-A70F-97AC63B38F23}"/>
+                <a16:creationId xmlns:a16="http://schemas.microsoft.com/office/drawing/2014/main" xmlns="" id="{EFD60D10-A9D7-4A85-A70F-97AC63B38F23}"/>
               </a:ext>
             </a:extLst>
           </p:cNvPr>
@@ -2210,7 +2221,7 @@
           <p:cNvPr id="3" name="Content Placeholder 2">
             <a:extLst>
               <a:ext uri="{FF2B5EF4-FFF2-40B4-BE49-F238E27FC236}">
-                <a16:creationId xmlns:a16="http://schemas.microsoft.com/office/drawing/2014/main" id="{07BFC673-E2EC-49C3-8FF6-BA4155724576}"/>
+                <a16:creationId xmlns:a16="http://schemas.microsoft.com/office/drawing/2014/main" xmlns="" id="{07BFC673-E2EC-49C3-8FF6-BA4155724576}"/>
               </a:ext>
             </a:extLst>
           </p:cNvPr>
@@ -2301,7 +2312,7 @@
           <p:cNvPr id="4" name="Text Placeholder 3">
             <a:extLst>
               <a:ext uri="{FF2B5EF4-FFF2-40B4-BE49-F238E27FC236}">
-                <a16:creationId xmlns:a16="http://schemas.microsoft.com/office/drawing/2014/main" id="{7597137E-8CE2-44B8-90F7-36EF89FAB6EE}"/>
+                <a16:creationId xmlns:a16="http://schemas.microsoft.com/office/drawing/2014/main" xmlns="" id="{7597137E-8CE2-44B8-90F7-36EF89FAB6EE}"/>
               </a:ext>
             </a:extLst>
           </p:cNvPr>
@@ -2372,7 +2383,7 @@
           <p:cNvPr id="5" name="Date Placeholder 4">
             <a:extLst>
               <a:ext uri="{FF2B5EF4-FFF2-40B4-BE49-F238E27FC236}">
-                <a16:creationId xmlns:a16="http://schemas.microsoft.com/office/drawing/2014/main" id="{F9B59F75-9236-4448-9BC7-DB41FE907070}"/>
+                <a16:creationId xmlns:a16="http://schemas.microsoft.com/office/drawing/2014/main" xmlns="" id="{F9B59F75-9236-4448-9BC7-DB41FE907070}"/>
               </a:ext>
             </a:extLst>
           </p:cNvPr>
@@ -2390,7 +2401,7 @@
           <a:p>
             <a:fld id="{40855CB7-ECD2-4F4E-96F3-D0110FEAC67D}" type="datetimeFigureOut">
               <a:rPr lang="en-IN" smtClean="0"/>
-              <a:t>15-01-2023</a:t>
+              <a:t>16-01-2023</a:t>
             </a:fld>
             <a:endParaRPr lang="en-IN"/>
           </a:p>
@@ -2401,7 +2412,7 @@
           <p:cNvPr id="6" name="Footer Placeholder 5">
             <a:extLst>
               <a:ext uri="{FF2B5EF4-FFF2-40B4-BE49-F238E27FC236}">
-                <a16:creationId xmlns:a16="http://schemas.microsoft.com/office/drawing/2014/main" id="{C945441F-2139-4D87-BD67-FFDE9C48D391}"/>
+                <a16:creationId xmlns:a16="http://schemas.microsoft.com/office/drawing/2014/main" xmlns="" id="{C945441F-2139-4D87-BD67-FFDE9C48D391}"/>
               </a:ext>
             </a:extLst>
           </p:cNvPr>
@@ -2426,7 +2437,7 @@
           <p:cNvPr id="7" name="Slide Number Placeholder 6">
             <a:extLst>
               <a:ext uri="{FF2B5EF4-FFF2-40B4-BE49-F238E27FC236}">
-                <a16:creationId xmlns:a16="http://schemas.microsoft.com/office/drawing/2014/main" id="{87A59006-0B29-4F81-A5E6-464F17328CE3}"/>
+                <a16:creationId xmlns:a16="http://schemas.microsoft.com/office/drawing/2014/main" xmlns="" id="{87A59006-0B29-4F81-A5E6-464F17328CE3}"/>
               </a:ext>
             </a:extLst>
           </p:cNvPr>
@@ -2485,7 +2496,7 @@
           <p:cNvPr id="2" name="Title 1">
             <a:extLst>
               <a:ext uri="{FF2B5EF4-FFF2-40B4-BE49-F238E27FC236}">
-                <a16:creationId xmlns:a16="http://schemas.microsoft.com/office/drawing/2014/main" id="{612C13F5-E89C-4557-8F84-E8B596910956}"/>
+                <a16:creationId xmlns:a16="http://schemas.microsoft.com/office/drawing/2014/main" xmlns="" id="{612C13F5-E89C-4557-8F84-E8B596910956}"/>
               </a:ext>
             </a:extLst>
           </p:cNvPr>
@@ -2523,7 +2534,7 @@
           <p:cNvPr id="3" name="Picture Placeholder 2">
             <a:extLst>
               <a:ext uri="{FF2B5EF4-FFF2-40B4-BE49-F238E27FC236}">
-                <a16:creationId xmlns:a16="http://schemas.microsoft.com/office/drawing/2014/main" id="{B41A1B32-F7E3-40F3-871A-8FBBEE7FB651}"/>
+                <a16:creationId xmlns:a16="http://schemas.microsoft.com/office/drawing/2014/main" xmlns="" id="{B41A1B32-F7E3-40F3-871A-8FBBEE7FB651}"/>
               </a:ext>
             </a:extLst>
           </p:cNvPr>
@@ -2590,7 +2601,7 @@
           <p:cNvPr id="4" name="Text Placeholder 3">
             <a:extLst>
               <a:ext uri="{FF2B5EF4-FFF2-40B4-BE49-F238E27FC236}">
-                <a16:creationId xmlns:a16="http://schemas.microsoft.com/office/drawing/2014/main" id="{8E2346CD-B496-4710-80CA-C198F62E3BA5}"/>
+                <a16:creationId xmlns:a16="http://schemas.microsoft.com/office/drawing/2014/main" xmlns="" id="{8E2346CD-B496-4710-80CA-C198F62E3BA5}"/>
               </a:ext>
             </a:extLst>
           </p:cNvPr>
@@ -2661,7 +2672,7 @@
           <p:cNvPr id="5" name="Date Placeholder 4">
             <a:extLst>
               <a:ext uri="{FF2B5EF4-FFF2-40B4-BE49-F238E27FC236}">
-                <a16:creationId xmlns:a16="http://schemas.microsoft.com/office/drawing/2014/main" id="{68F0EE2F-F69B-4532-8EBD-07599D35FE28}"/>
+                <a16:creationId xmlns:a16="http://schemas.microsoft.com/office/drawing/2014/main" xmlns="" id="{68F0EE2F-F69B-4532-8EBD-07599D35FE28}"/>
               </a:ext>
             </a:extLst>
           </p:cNvPr>
@@ -2679,7 +2690,7 @@
           <a:p>
             <a:fld id="{40855CB7-ECD2-4F4E-96F3-D0110FEAC67D}" type="datetimeFigureOut">
               <a:rPr lang="en-IN" smtClean="0"/>
-              <a:t>15-01-2023</a:t>
+              <a:t>16-01-2023</a:t>
             </a:fld>
             <a:endParaRPr lang="en-IN"/>
           </a:p>
@@ -2690,7 +2701,7 @@
           <p:cNvPr id="6" name="Footer Placeholder 5">
             <a:extLst>
               <a:ext uri="{FF2B5EF4-FFF2-40B4-BE49-F238E27FC236}">
-                <a16:creationId xmlns:a16="http://schemas.microsoft.com/office/drawing/2014/main" id="{2E8C8FAC-3F7A-4A1B-8BC6-70DADF7DE27C}"/>
+                <a16:creationId xmlns:a16="http://schemas.microsoft.com/office/drawing/2014/main" xmlns="" id="{2E8C8FAC-3F7A-4A1B-8BC6-70DADF7DE27C}"/>
               </a:ext>
             </a:extLst>
           </p:cNvPr>
@@ -2715,7 +2726,7 @@
           <p:cNvPr id="7" name="Slide Number Placeholder 6">
             <a:extLst>
               <a:ext uri="{FF2B5EF4-FFF2-40B4-BE49-F238E27FC236}">
-                <a16:creationId xmlns:a16="http://schemas.microsoft.com/office/drawing/2014/main" id="{5D151EAC-63FA-4DC2-B962-E9439FCC3991}"/>
+                <a16:creationId xmlns:a16="http://schemas.microsoft.com/office/drawing/2014/main" xmlns="" id="{5D151EAC-63FA-4DC2-B962-E9439FCC3991}"/>
               </a:ext>
             </a:extLst>
           </p:cNvPr>
@@ -2779,7 +2790,7 @@
           <p:cNvPr id="2" name="Title Placeholder 1">
             <a:extLst>
               <a:ext uri="{FF2B5EF4-FFF2-40B4-BE49-F238E27FC236}">
-                <a16:creationId xmlns:a16="http://schemas.microsoft.com/office/drawing/2014/main" id="{8918C70D-8C58-4CBE-8E56-4D6ED55A0FCA}"/>
+                <a16:creationId xmlns:a16="http://schemas.microsoft.com/office/drawing/2014/main" xmlns="" id="{8918C70D-8C58-4CBE-8E56-4D6ED55A0FCA}"/>
               </a:ext>
             </a:extLst>
           </p:cNvPr>
@@ -2818,7 +2829,7 @@
           <p:cNvPr id="3" name="Text Placeholder 2">
             <a:extLst>
               <a:ext uri="{FF2B5EF4-FFF2-40B4-BE49-F238E27FC236}">
-                <a16:creationId xmlns:a16="http://schemas.microsoft.com/office/drawing/2014/main" id="{6B55A942-9583-4737-BC83-A0775E5AECD1}"/>
+                <a16:creationId xmlns:a16="http://schemas.microsoft.com/office/drawing/2014/main" xmlns="" id="{6B55A942-9583-4737-BC83-A0775E5AECD1}"/>
               </a:ext>
             </a:extLst>
           </p:cNvPr>
@@ -2886,7 +2897,7 @@
           <p:cNvPr id="4" name="Date Placeholder 3">
             <a:extLst>
               <a:ext uri="{FF2B5EF4-FFF2-40B4-BE49-F238E27FC236}">
-                <a16:creationId xmlns:a16="http://schemas.microsoft.com/office/drawing/2014/main" id="{D9C5E0A1-2405-48F1-BF2C-42A2E5700AC0}"/>
+                <a16:creationId xmlns:a16="http://schemas.microsoft.com/office/drawing/2014/main" xmlns="" id="{D9C5E0A1-2405-48F1-BF2C-42A2E5700AC0}"/>
               </a:ext>
             </a:extLst>
           </p:cNvPr>
@@ -2922,7 +2933,7 @@
           <a:p>
             <a:fld id="{40855CB7-ECD2-4F4E-96F3-D0110FEAC67D}" type="datetimeFigureOut">
               <a:rPr lang="en-IN" smtClean="0"/>
-              <a:t>15-01-2023</a:t>
+              <a:t>16-01-2023</a:t>
             </a:fld>
             <a:endParaRPr lang="en-IN"/>
           </a:p>
@@ -2933,7 +2944,7 @@
           <p:cNvPr id="5" name="Footer Placeholder 4">
             <a:extLst>
               <a:ext uri="{FF2B5EF4-FFF2-40B4-BE49-F238E27FC236}">
-                <a16:creationId xmlns:a16="http://schemas.microsoft.com/office/drawing/2014/main" id="{1B26B5BD-C1BA-468A-9F5D-B0AB9A760034}"/>
+                <a16:creationId xmlns:a16="http://schemas.microsoft.com/office/drawing/2014/main" xmlns="" id="{1B26B5BD-C1BA-468A-9F5D-B0AB9A760034}"/>
               </a:ext>
             </a:extLst>
           </p:cNvPr>
@@ -2976,7 +2987,7 @@
           <p:cNvPr id="6" name="Slide Number Placeholder 5">
             <a:extLst>
               <a:ext uri="{FF2B5EF4-FFF2-40B4-BE49-F238E27FC236}">
-                <a16:creationId xmlns:a16="http://schemas.microsoft.com/office/drawing/2014/main" id="{FA39F0AA-904C-4584-9E38-B21A87352789}"/>
+                <a16:creationId xmlns:a16="http://schemas.microsoft.com/office/drawing/2014/main" xmlns="" id="{FA39F0AA-904C-4584-9E38-B21A87352789}"/>
               </a:ext>
             </a:extLst>
           </p:cNvPr>
@@ -3322,6 +3333,525 @@
 </p:sldMaster>
 </file>
 
+<file path=ppt/slides/slide1.xml><?xml version="1.0" encoding="utf-8"?>
+<p:sld xmlns:a="http://schemas.openxmlformats.org/drawingml/2006/main" xmlns:r="http://schemas.openxmlformats.org/officeDocument/2006/relationships" xmlns:p="http://schemas.openxmlformats.org/presentationml/2006/main">
+  <p:cSld>
+    <p:spTree>
+      <p:nvGrpSpPr>
+        <p:cNvPr id="1" name=""/>
+        <p:cNvGrpSpPr/>
+        <p:nvPr/>
+      </p:nvGrpSpPr>
+      <p:grpSpPr>
+        <a:xfrm>
+          <a:off x="0" y="0"/>
+          <a:ext cx="0" cy="0"/>
+          <a:chOff x="0" y="0"/>
+          <a:chExt cx="0" cy="0"/>
+        </a:xfrm>
+      </p:grpSpPr>
+      <p:pic>
+        <p:nvPicPr>
+          <p:cNvPr id="5" name="Picture 4"/>
+          <p:cNvPicPr>
+            <a:picLocks noChangeAspect="1"/>
+          </p:cNvPicPr>
+          <p:nvPr/>
+        </p:nvPicPr>
+        <p:blipFill rotWithShape="1">
+          <a:blip r:embed="rId2"/>
+          <a:srcRect l="7905" t="36203" r="54468" b="22451"/>
+          <a:stretch/>
+        </p:blipFill>
+        <p:spPr>
+          <a:xfrm>
+            <a:off x="281352" y="253218"/>
+            <a:ext cx="8595362" cy="5310353"/>
+          </a:xfrm>
+          <a:prstGeom prst="rect">
+            <a:avLst/>
+          </a:prstGeom>
+          <a:ln w="15875">
+            <a:solidFill>
+              <a:schemeClr val="tx1"/>
+            </a:solidFill>
+          </a:ln>
+        </p:spPr>
+      </p:pic>
+      <p:sp>
+        <p:nvSpPr>
+          <p:cNvPr id="4" name="Rectangle 3"/>
+          <p:cNvSpPr/>
+          <p:nvPr/>
+        </p:nvSpPr>
+        <p:spPr>
+          <a:xfrm>
+            <a:off x="1420835" y="5247249"/>
+            <a:ext cx="1097281" cy="316322"/>
+          </a:xfrm>
+          <a:prstGeom prst="rect">
+            <a:avLst/>
+          </a:prstGeom>
+          <a:noFill/>
+          <a:ln w="22225">
+            <a:solidFill>
+              <a:srgbClr val="FF0000"/>
+            </a:solidFill>
+          </a:ln>
+        </p:spPr>
+        <p:style>
+          <a:lnRef idx="2">
+            <a:schemeClr val="accent1">
+              <a:shade val="50000"/>
+            </a:schemeClr>
+          </a:lnRef>
+          <a:fillRef idx="1">
+            <a:schemeClr val="accent1"/>
+          </a:fillRef>
+          <a:effectRef idx="0">
+            <a:schemeClr val="accent1"/>
+          </a:effectRef>
+          <a:fontRef idx="minor">
+            <a:schemeClr val="lt1"/>
+          </a:fontRef>
+        </p:style>
+        <p:txBody>
+          <a:bodyPr rtlCol="0" anchor="ctr"/>
+          <a:lstStyle/>
+          <a:p>
+            <a:pPr algn="ctr"/>
+            <a:endParaRPr lang="en-IN"/>
+          </a:p>
+        </p:txBody>
+      </p:sp>
+      <p:sp>
+        <p:nvSpPr>
+          <p:cNvPr id="6" name="Rectangle 5"/>
+          <p:cNvSpPr/>
+          <p:nvPr/>
+        </p:nvSpPr>
+        <p:spPr>
+          <a:xfrm>
+            <a:off x="6961160" y="321211"/>
+            <a:ext cx="1831146" cy="339970"/>
+          </a:xfrm>
+          <a:prstGeom prst="rect">
+            <a:avLst/>
+          </a:prstGeom>
+          <a:noFill/>
+          <a:ln w="22225">
+            <a:solidFill>
+              <a:srgbClr val="FF0000"/>
+            </a:solidFill>
+          </a:ln>
+        </p:spPr>
+        <p:style>
+          <a:lnRef idx="2">
+            <a:schemeClr val="accent1">
+              <a:shade val="50000"/>
+            </a:schemeClr>
+          </a:lnRef>
+          <a:fillRef idx="1">
+            <a:schemeClr val="accent1"/>
+          </a:fillRef>
+          <a:effectRef idx="0">
+            <a:schemeClr val="accent1"/>
+          </a:effectRef>
+          <a:fontRef idx="minor">
+            <a:schemeClr val="lt1"/>
+          </a:fontRef>
+        </p:style>
+        <p:txBody>
+          <a:bodyPr rtlCol="0" anchor="ctr"/>
+          <a:lstStyle/>
+          <a:p>
+            <a:pPr algn="ctr"/>
+            <a:endParaRPr lang="en-IN"/>
+          </a:p>
+        </p:txBody>
+      </p:sp>
+    </p:spTree>
+    <p:extLst>
+      <p:ext uri="{BB962C8B-B14F-4D97-AF65-F5344CB8AC3E}">
+        <p14:creationId xmlns:p14="http://schemas.microsoft.com/office/powerpoint/2010/main" val="1542906965"/>
+      </p:ext>
+    </p:extLst>
+  </p:cSld>
+  <p:clrMapOvr>
+    <a:masterClrMapping/>
+  </p:clrMapOvr>
+</p:sld>
+</file>
+
+<file path=ppt/slides/slide2.xml><?xml version="1.0" encoding="utf-8"?>
+<p:sld xmlns:a="http://schemas.openxmlformats.org/drawingml/2006/main" xmlns:r="http://schemas.openxmlformats.org/officeDocument/2006/relationships" xmlns:p="http://schemas.openxmlformats.org/presentationml/2006/main">
+  <p:cSld>
+    <p:spTree>
+      <p:nvGrpSpPr>
+        <p:cNvPr id="1" name=""/>
+        <p:cNvGrpSpPr/>
+        <p:nvPr/>
+      </p:nvGrpSpPr>
+      <p:grpSpPr>
+        <a:xfrm>
+          <a:off x="0" y="0"/>
+          <a:ext cx="0" cy="0"/>
+          <a:chOff x="0" y="0"/>
+          <a:chExt cx="0" cy="0"/>
+        </a:xfrm>
+      </p:grpSpPr>
+      <p:pic>
+        <p:nvPicPr>
+          <p:cNvPr id="4" name="Picture 3"/>
+          <p:cNvPicPr>
+            <a:picLocks noChangeAspect="1"/>
+          </p:cNvPicPr>
+          <p:nvPr/>
+        </p:nvPicPr>
+        <p:blipFill rotWithShape="1">
+          <a:blip r:embed="rId2"/>
+          <a:srcRect l="8078" t="46968" r="49336" b="16652"/>
+          <a:stretch/>
+        </p:blipFill>
+        <p:spPr>
+          <a:xfrm>
+            <a:off x="191069" y="191069"/>
+            <a:ext cx="9768857" cy="4691938"/>
+          </a:xfrm>
+          <a:prstGeom prst="rect">
+            <a:avLst/>
+          </a:prstGeom>
+          <a:ln w="15875">
+            <a:noFill/>
+          </a:ln>
+        </p:spPr>
+      </p:pic>
+      <p:pic>
+        <p:nvPicPr>
+          <p:cNvPr id="5" name="Picture 4"/>
+          <p:cNvPicPr>
+            <a:picLocks noChangeAspect="1"/>
+          </p:cNvPicPr>
+          <p:nvPr/>
+        </p:nvPicPr>
+        <p:blipFill rotWithShape="1">
+          <a:blip r:embed="rId3"/>
+          <a:srcRect l="8013" t="65625" r="59551" b="31786"/>
+          <a:stretch/>
+        </p:blipFill>
+        <p:spPr>
+          <a:xfrm>
+            <a:off x="191069" y="5008098"/>
+            <a:ext cx="7208537" cy="323557"/>
+          </a:xfrm>
+          <a:prstGeom prst="rect">
+            <a:avLst/>
+          </a:prstGeom>
+        </p:spPr>
+      </p:pic>
+      <p:sp>
+        <p:nvSpPr>
+          <p:cNvPr id="6" name="Rectangle 5"/>
+          <p:cNvSpPr/>
+          <p:nvPr/>
+        </p:nvSpPr>
+        <p:spPr>
+          <a:xfrm>
+            <a:off x="120729" y="191070"/>
+            <a:ext cx="9740723" cy="5196856"/>
+          </a:xfrm>
+          <a:prstGeom prst="rect">
+            <a:avLst/>
+          </a:prstGeom>
+          <a:noFill/>
+          <a:ln w="19050">
+            <a:solidFill>
+              <a:schemeClr val="tx1"/>
+            </a:solidFill>
+          </a:ln>
+        </p:spPr>
+        <p:style>
+          <a:lnRef idx="2">
+            <a:schemeClr val="accent1">
+              <a:shade val="50000"/>
+            </a:schemeClr>
+          </a:lnRef>
+          <a:fillRef idx="1">
+            <a:schemeClr val="accent1"/>
+          </a:fillRef>
+          <a:effectRef idx="0">
+            <a:schemeClr val="accent1"/>
+          </a:effectRef>
+          <a:fontRef idx="minor">
+            <a:schemeClr val="lt1"/>
+          </a:fontRef>
+        </p:style>
+        <p:txBody>
+          <a:bodyPr rtlCol="0" anchor="ctr"/>
+          <a:lstStyle/>
+          <a:p>
+            <a:pPr algn="ctr"/>
+            <a:endParaRPr lang="en-IN"/>
+          </a:p>
+        </p:txBody>
+      </p:sp>
+      <p:sp>
+        <p:nvSpPr>
+          <p:cNvPr id="7" name="Rectangle 6"/>
+          <p:cNvSpPr/>
+          <p:nvPr/>
+        </p:nvSpPr>
+        <p:spPr>
+          <a:xfrm>
+            <a:off x="1252023" y="5047816"/>
+            <a:ext cx="1097281" cy="340109"/>
+          </a:xfrm>
+          <a:prstGeom prst="rect">
+            <a:avLst/>
+          </a:prstGeom>
+          <a:noFill/>
+          <a:ln w="22225">
+            <a:solidFill>
+              <a:srgbClr val="FF0000"/>
+            </a:solidFill>
+          </a:ln>
+        </p:spPr>
+        <p:style>
+          <a:lnRef idx="2">
+            <a:schemeClr val="accent1">
+              <a:shade val="50000"/>
+            </a:schemeClr>
+          </a:lnRef>
+          <a:fillRef idx="1">
+            <a:schemeClr val="accent1"/>
+          </a:fillRef>
+          <a:effectRef idx="0">
+            <a:schemeClr val="accent1"/>
+          </a:effectRef>
+          <a:fontRef idx="minor">
+            <a:schemeClr val="lt1"/>
+          </a:fontRef>
+        </p:style>
+        <p:txBody>
+          <a:bodyPr rtlCol="0" anchor="ctr"/>
+          <a:lstStyle/>
+          <a:p>
+            <a:pPr algn="ctr"/>
+            <a:endParaRPr lang="en-IN"/>
+          </a:p>
+        </p:txBody>
+      </p:sp>
+      <p:sp>
+        <p:nvSpPr>
+          <p:cNvPr id="8" name="Rectangle 7"/>
+          <p:cNvSpPr/>
+          <p:nvPr/>
+        </p:nvSpPr>
+        <p:spPr>
+          <a:xfrm>
+            <a:off x="7891975" y="4106799"/>
+            <a:ext cx="1969477" cy="296389"/>
+          </a:xfrm>
+          <a:prstGeom prst="rect">
+            <a:avLst/>
+          </a:prstGeom>
+          <a:noFill/>
+          <a:ln w="22225">
+            <a:solidFill>
+              <a:srgbClr val="FF0000"/>
+            </a:solidFill>
+          </a:ln>
+        </p:spPr>
+        <p:style>
+          <a:lnRef idx="2">
+            <a:schemeClr val="accent1">
+              <a:shade val="50000"/>
+            </a:schemeClr>
+          </a:lnRef>
+          <a:fillRef idx="1">
+            <a:schemeClr val="accent1"/>
+          </a:fillRef>
+          <a:effectRef idx="0">
+            <a:schemeClr val="accent1"/>
+          </a:effectRef>
+          <a:fontRef idx="minor">
+            <a:schemeClr val="lt1"/>
+          </a:fontRef>
+        </p:style>
+        <p:txBody>
+          <a:bodyPr rtlCol="0" anchor="ctr"/>
+          <a:lstStyle/>
+          <a:p>
+            <a:pPr algn="ctr"/>
+            <a:endParaRPr lang="en-IN"/>
+          </a:p>
+        </p:txBody>
+      </p:sp>
+    </p:spTree>
+    <p:extLst>
+      <p:ext uri="{BB962C8B-B14F-4D97-AF65-F5344CB8AC3E}">
+        <p14:creationId xmlns:p14="http://schemas.microsoft.com/office/powerpoint/2010/main" val="830251856"/>
+      </p:ext>
+    </p:extLst>
+  </p:cSld>
+  <p:clrMapOvr>
+    <a:masterClrMapping/>
+  </p:clrMapOvr>
+</p:sld>
+</file>
+
+<file path=ppt/slides/slide3.xml><?xml version="1.0" encoding="utf-8"?>
+<p:sld xmlns:a="http://schemas.openxmlformats.org/drawingml/2006/main" xmlns:r="http://schemas.openxmlformats.org/officeDocument/2006/relationships" xmlns:p="http://schemas.openxmlformats.org/presentationml/2006/main">
+  <p:cSld>
+    <p:spTree>
+      <p:nvGrpSpPr>
+        <p:cNvPr id="1" name=""/>
+        <p:cNvGrpSpPr/>
+        <p:nvPr/>
+      </p:nvGrpSpPr>
+      <p:grpSpPr>
+        <a:xfrm>
+          <a:off x="0" y="0"/>
+          <a:ext cx="0" cy="0"/>
+          <a:chOff x="0" y="0"/>
+          <a:chExt cx="0" cy="0"/>
+        </a:xfrm>
+      </p:grpSpPr>
+      <p:pic>
+        <p:nvPicPr>
+          <p:cNvPr id="2" name="Picture 1"/>
+          <p:cNvPicPr>
+            <a:picLocks noChangeAspect="1"/>
+          </p:cNvPicPr>
+          <p:nvPr/>
+        </p:nvPicPr>
+        <p:blipFill rotWithShape="1">
+          <a:blip r:embed="rId2"/>
+          <a:srcRect l="7798" t="42356" r="39224" b="29183"/>
+          <a:stretch/>
+        </p:blipFill>
+        <p:spPr>
+          <a:xfrm>
+            <a:off x="140677" y="168812"/>
+            <a:ext cx="10775852" cy="3254750"/>
+          </a:xfrm>
+          <a:prstGeom prst="rect">
+            <a:avLst/>
+          </a:prstGeom>
+        </p:spPr>
+      </p:pic>
+      <p:pic>
+        <p:nvPicPr>
+          <p:cNvPr id="3" name="Picture 2"/>
+          <p:cNvPicPr>
+            <a:picLocks noChangeAspect="1"/>
+          </p:cNvPicPr>
+          <p:nvPr/>
+        </p:nvPicPr>
+        <p:blipFill rotWithShape="1">
+          <a:blip r:embed="rId3"/>
+          <a:srcRect l="8554" t="55241" r="37169" b="17836"/>
+          <a:stretch/>
+        </p:blipFill>
+        <p:spPr>
+          <a:xfrm>
+            <a:off x="140676" y="3601329"/>
+            <a:ext cx="10030265" cy="2797285"/>
+          </a:xfrm>
+          <a:prstGeom prst="rect">
+            <a:avLst/>
+          </a:prstGeom>
+        </p:spPr>
+      </p:pic>
+      <p:sp>
+        <p:nvSpPr>
+          <p:cNvPr id="4" name="Rectangle 3"/>
+          <p:cNvSpPr/>
+          <p:nvPr/>
+        </p:nvSpPr>
+        <p:spPr>
+          <a:xfrm>
+            <a:off x="140676" y="168812"/>
+            <a:ext cx="10775853" cy="6229802"/>
+          </a:xfrm>
+          <a:prstGeom prst="rect">
+            <a:avLst/>
+          </a:prstGeom>
+          <a:noFill/>
+          <a:ln w="19050">
+            <a:solidFill>
+              <a:schemeClr val="tx1"/>
+            </a:solidFill>
+          </a:ln>
+        </p:spPr>
+        <p:style>
+          <a:lnRef idx="2">
+            <a:schemeClr val="accent1">
+              <a:shade val="50000"/>
+            </a:schemeClr>
+          </a:lnRef>
+          <a:fillRef idx="1">
+            <a:schemeClr val="accent1"/>
+          </a:fillRef>
+          <a:effectRef idx="0">
+            <a:schemeClr val="accent1"/>
+          </a:effectRef>
+          <a:fontRef idx="minor">
+            <a:schemeClr val="lt1"/>
+          </a:fontRef>
+        </p:style>
+        <p:txBody>
+          <a:bodyPr rtlCol="0" anchor="ctr"/>
+          <a:lstStyle/>
+          <a:p>
+            <a:pPr algn="ctr"/>
+            <a:endParaRPr lang="en-IN"/>
+          </a:p>
+        </p:txBody>
+      </p:sp>
+    </p:spTree>
+    <p:extLst>
+      <p:ext uri="{BB962C8B-B14F-4D97-AF65-F5344CB8AC3E}">
+        <p14:creationId xmlns:p14="http://schemas.microsoft.com/office/powerpoint/2010/main" val="2918740279"/>
+      </p:ext>
+    </p:extLst>
+  </p:cSld>
+  <p:clrMapOvr>
+    <a:masterClrMapping/>
+  </p:clrMapOvr>
+</p:sld>
+</file>
+
+<file path=ppt/slides/slide4.xml><?xml version="1.0" encoding="utf-8"?>
+<p:sld xmlns:a="http://schemas.openxmlformats.org/drawingml/2006/main" xmlns:r="http://schemas.openxmlformats.org/officeDocument/2006/relationships" xmlns:p="http://schemas.openxmlformats.org/presentationml/2006/main">
+  <p:cSld>
+    <p:spTree>
+      <p:nvGrpSpPr>
+        <p:cNvPr id="1" name=""/>
+        <p:cNvGrpSpPr/>
+        <p:nvPr/>
+      </p:nvGrpSpPr>
+      <p:grpSpPr>
+        <a:xfrm>
+          <a:off x="0" y="0"/>
+          <a:ext cx="0" cy="0"/>
+          <a:chOff x="0" y="0"/>
+          <a:chExt cx="0" cy="0"/>
+        </a:xfrm>
+      </p:grpSpPr>
+    </p:spTree>
+    <p:extLst>
+      <p:ext uri="{BB962C8B-B14F-4D97-AF65-F5344CB8AC3E}">
+        <p14:creationId xmlns:p14="http://schemas.microsoft.com/office/powerpoint/2010/main" val="3130899761"/>
+      </p:ext>
+    </p:extLst>
+  </p:cSld>
+  <p:clrMapOvr>
+    <a:masterClrMapping/>
+  </p:clrMapOvr>
+</p:sld>
+</file>
+
 <file path=ppt/theme/theme1.xml><?xml version="1.0" encoding="utf-8"?>
 <a:theme xmlns:a="http://schemas.openxmlformats.org/drawingml/2006/main" name="Office Theme">
   <a:themeElements>
